--- a/ppt/dotNet16-Controllers.pptx
+++ b/ppt/dotNet16-Controllers.pptx
@@ -5133,10 +5133,9 @@
           </a:p>
           <a:p>
             <a:r>
-              <a:rPr lang="fr-FR" dirty="0" err="1"/>
-              <a:t>Controleurs</a:t>
-            </a:r>
-            <a:endParaRPr lang="fr-FR" dirty="0"/>
+              <a:rPr lang="fr-FR" dirty="0"/>
+              <a:t>Contrôleurs</a:t>
+            </a:r>
           </a:p>
         </p:txBody>
       </p:sp>
